--- a/Data Analysis Project for Nulnet March 2024.pptx
+++ b/Data Analysis Project for Nulnet March 2024.pptx
@@ -7,12 +7,8 @@
   <p:sldIdLst>
     <p:sldId id="256" r:id="rId2"/>
     <p:sldId id="262" r:id="rId3"/>
-    <p:sldId id="257" r:id="rId4"/>
-    <p:sldId id="264" r:id="rId5"/>
-    <p:sldId id="258" r:id="rId6"/>
-    <p:sldId id="259" r:id="rId7"/>
-    <p:sldId id="260" r:id="rId8"/>
-    <p:sldId id="265" r:id="rId9"/>
+    <p:sldId id="266" r:id="rId4"/>
+    <p:sldId id="265" r:id="rId5"/>
   </p:sldIdLst>
   <p:sldSz cx="12192000" cy="6858000"/>
   <p:notesSz cx="6858000" cy="9144000"/>
@@ -119,14 +115,6 @@
 </p:presentation>
 </file>
 
-<file path=ppt/revisionInfo.xml><?xml version="1.0" encoding="utf-8"?>
-<p1510:revInfo xmlns:a="http://schemas.openxmlformats.org/drawingml/2006/main" xmlns:r="http://schemas.openxmlformats.org/officeDocument/2006/relationships" xmlns:p1510="http://schemas.microsoft.com/office/powerpoint/2015/10/main">
-  <p1510:revLst>
-    <p1510:client id="{EC9CE5F6-DC54-49C5-97DB-BA282411EF8E}" v="10" dt="2024-03-16T06:09:45.153"/>
-  </p1510:revLst>
-</p1510:revInfo>
-</file>
-
 <file path=ppt/slideLayouts/slideLayout1.xml><?xml version="1.0" encoding="utf-8"?>
 <p:sldLayout xmlns:a="http://schemas.openxmlformats.org/drawingml/2006/main" xmlns:r="http://schemas.openxmlformats.org/officeDocument/2006/relationships" xmlns:p="http://schemas.openxmlformats.org/presentationml/2006/main" type="title" preserve="1">
   <p:cSld name="Title Slide">
@@ -274,7 +262,7 @@
           <a:p>
             <a:fld id="{D40757AC-DC10-4B94-AC96-3B64501BAD13}" type="datetimeFigureOut">
               <a:rPr lang="en-US" smtClean="0"/>
-              <a:t>3/16/2024</a:t>
+              <a:t>3/19/2024</a:t>
             </a:fld>
             <a:endParaRPr lang="en-US"/>
           </a:p>
@@ -472,7 +460,7 @@
           <a:p>
             <a:fld id="{D40757AC-DC10-4B94-AC96-3B64501BAD13}" type="datetimeFigureOut">
               <a:rPr lang="en-US" smtClean="0"/>
-              <a:t>3/16/2024</a:t>
+              <a:t>3/19/2024</a:t>
             </a:fld>
             <a:endParaRPr lang="en-US"/>
           </a:p>
@@ -680,7 +668,7 @@
           <a:p>
             <a:fld id="{D40757AC-DC10-4B94-AC96-3B64501BAD13}" type="datetimeFigureOut">
               <a:rPr lang="en-US" smtClean="0"/>
-              <a:t>3/16/2024</a:t>
+              <a:t>3/19/2024</a:t>
             </a:fld>
             <a:endParaRPr lang="en-US"/>
           </a:p>
@@ -878,7 +866,7 @@
           <a:p>
             <a:fld id="{D40757AC-DC10-4B94-AC96-3B64501BAD13}" type="datetimeFigureOut">
               <a:rPr lang="en-US" smtClean="0"/>
-              <a:t>3/16/2024</a:t>
+              <a:t>3/19/2024</a:t>
             </a:fld>
             <a:endParaRPr lang="en-US"/>
           </a:p>
@@ -1153,7 +1141,7 @@
           <a:p>
             <a:fld id="{D40757AC-DC10-4B94-AC96-3B64501BAD13}" type="datetimeFigureOut">
               <a:rPr lang="en-US" smtClean="0"/>
-              <a:t>3/16/2024</a:t>
+              <a:t>3/19/2024</a:t>
             </a:fld>
             <a:endParaRPr lang="en-US"/>
           </a:p>
@@ -1418,7 +1406,7 @@
           <a:p>
             <a:fld id="{D40757AC-DC10-4B94-AC96-3B64501BAD13}" type="datetimeFigureOut">
               <a:rPr lang="en-US" smtClean="0"/>
-              <a:t>3/16/2024</a:t>
+              <a:t>3/19/2024</a:t>
             </a:fld>
             <a:endParaRPr lang="en-US"/>
           </a:p>
@@ -1830,7 +1818,7 @@
           <a:p>
             <a:fld id="{D40757AC-DC10-4B94-AC96-3B64501BAD13}" type="datetimeFigureOut">
               <a:rPr lang="en-US" smtClean="0"/>
-              <a:t>3/16/2024</a:t>
+              <a:t>3/19/2024</a:t>
             </a:fld>
             <a:endParaRPr lang="en-US"/>
           </a:p>
@@ -1971,7 +1959,7 @@
           <a:p>
             <a:fld id="{D40757AC-DC10-4B94-AC96-3B64501BAD13}" type="datetimeFigureOut">
               <a:rPr lang="en-US" smtClean="0"/>
-              <a:t>3/16/2024</a:t>
+              <a:t>3/19/2024</a:t>
             </a:fld>
             <a:endParaRPr lang="en-US"/>
           </a:p>
@@ -2084,7 +2072,7 @@
           <a:p>
             <a:fld id="{D40757AC-DC10-4B94-AC96-3B64501BAD13}" type="datetimeFigureOut">
               <a:rPr lang="en-US" smtClean="0"/>
-              <a:t>3/16/2024</a:t>
+              <a:t>3/19/2024</a:t>
             </a:fld>
             <a:endParaRPr lang="en-US"/>
           </a:p>
@@ -2395,7 +2383,7 @@
           <a:p>
             <a:fld id="{D40757AC-DC10-4B94-AC96-3B64501BAD13}" type="datetimeFigureOut">
               <a:rPr lang="en-US" smtClean="0"/>
-              <a:t>3/16/2024</a:t>
+              <a:t>3/19/2024</a:t>
             </a:fld>
             <a:endParaRPr lang="en-US"/>
           </a:p>
@@ -2683,7 +2671,7 @@
           <a:p>
             <a:fld id="{D40757AC-DC10-4B94-AC96-3B64501BAD13}" type="datetimeFigureOut">
               <a:rPr lang="en-US" smtClean="0"/>
-              <a:t>3/16/2024</a:t>
+              <a:t>3/19/2024</a:t>
             </a:fld>
             <a:endParaRPr lang="en-US"/>
           </a:p>
@@ -2956,7 +2944,7 @@
           <a:p>
             <a:fld id="{D40757AC-DC10-4B94-AC96-3B64501BAD13}" type="datetimeFigureOut">
               <a:rPr lang="en-US" smtClean="0"/>
-              <a:t>3/16/2024</a:t>
+              <a:t>3/19/2024</a:t>
             </a:fld>
             <a:endParaRPr lang="en-US"/>
           </a:p>
@@ -3513,7 +3501,7 @@
         <p:spPr>
           <a:xfrm>
             <a:off x="452582" y="1477818"/>
-            <a:ext cx="11092786" cy="4897345"/>
+            <a:ext cx="11092786" cy="5239176"/>
           </a:xfrm>
         </p:spPr>
         <p:txBody>
@@ -3524,7 +3512,7 @@
           <a:p>
             <a:r>
               <a:rPr lang="en-US" dirty="0"/>
-              <a:t>Lending Club consumer loans dataset: January 2016-December 2018</a:t>
+              <a:t>Consumer loans dataset: January 2016-December 2018 (origination dates)</a:t>
             </a:r>
           </a:p>
           <a:p>
@@ -3539,7 +3527,7 @@
             </a:r>
             <a:r>
               <a:rPr lang="en-US" dirty="0"/>
-              <a:t>: the issue date of the loan</a:t>
+              <a:t>: i.e., the issue (origination) date of the loan</a:t>
             </a:r>
           </a:p>
           <a:p>
@@ -3620,6 +3608,13 @@
             <a:r>
               <a:rPr lang="en-US" dirty="0"/>
               <a:t>Late (31-120 days): payment for loan is late by 31-120 days, thereafter leading to default</a:t>
+            </a:r>
+          </a:p>
+          <a:p>
+            <a:pPr lvl="1"/>
+            <a:r>
+              <a:rPr lang="en-US" dirty="0"/>
+              <a:t>Default: defaulted loan</a:t>
             </a:r>
           </a:p>
           <a:p>
@@ -3741,7 +3736,7 @@
           <p:cNvPr id="2" name="Title 1">
             <a:extLst>
               <a:ext uri="{FF2B5EF4-FFF2-40B4-BE49-F238E27FC236}">
-                <a16:creationId xmlns:a16="http://schemas.microsoft.com/office/drawing/2014/main" id="{DC567699-7AEE-9340-C74D-84E67478AF4B}"/>
+                <a16:creationId xmlns:a16="http://schemas.microsoft.com/office/drawing/2014/main" id="{50A72B90-4329-C489-C7F7-B421E9AAA2FF}"/>
               </a:ext>
             </a:extLst>
           </p:cNvPr>
@@ -3759,7 +3754,7 @@
           <a:p>
             <a:r>
               <a:rPr lang="en-US" dirty="0"/>
-              <a:t>Loan Volume over time</a:t>
+              <a:t>Limitations of this Analysis and Suggestions for Extended Analysis</a:t>
             </a:r>
           </a:p>
         </p:txBody>
@@ -3769,53 +3764,107 @@
           <p:cNvPr id="3" name="Content Placeholder 2">
             <a:extLst>
               <a:ext uri="{FF2B5EF4-FFF2-40B4-BE49-F238E27FC236}">
-                <a16:creationId xmlns:a16="http://schemas.microsoft.com/office/drawing/2014/main" id="{52CE6641-7137-BCAF-7D11-FAD64F142848}"/>
-              </a:ext>
-            </a:extLst>
-          </p:cNvPr>
-          <p:cNvSpPr>
-            <a:spLocks noGrp="1"/>
-          </p:cNvSpPr>
-          <p:nvPr>
-            <p:ph sz="half" idx="1"/>
-          </p:nvPr>
-        </p:nvSpPr>
-        <p:spPr>
-          <a:xfrm>
-            <a:off x="581891" y="1690688"/>
-            <a:ext cx="5437909" cy="4486275"/>
-          </a:xfrm>
-        </p:spPr>
+                <a16:creationId xmlns:a16="http://schemas.microsoft.com/office/drawing/2014/main" id="{3D4037FA-09EF-01EE-023D-422783CABAAD}"/>
+              </a:ext>
+            </a:extLst>
+          </p:cNvPr>
+          <p:cNvSpPr>
+            <a:spLocks noGrp="1"/>
+          </p:cNvSpPr>
+          <p:nvPr>
+            <p:ph idx="1"/>
+          </p:nvPr>
+        </p:nvSpPr>
+        <p:spPr/>
         <p:txBody>
           <a:bodyPr>
-            <a:normAutofit fontScale="92500" lnSpcReduction="20000"/>
+            <a:normAutofit fontScale="62500" lnSpcReduction="20000"/>
           </a:bodyPr>
           <a:lstStyle/>
           <a:p>
             <a:r>
               <a:rPr lang="en-US" dirty="0"/>
-              <a:t>Consumer loans increased each year, but at very different rates </a:t>
+              <a:t>Data visualizations are extremely useful and versatile tools for analyzing data</a:t>
             </a:r>
           </a:p>
           <a:p>
             <a:pPr lvl="1"/>
             <a:r>
               <a:rPr lang="en-US" dirty="0"/>
-              <a:t>small 2.2% increase from 2016-2017: 434,407 to 443,579</a:t>
+              <a:t>Visualizations are a great way to explain potentially complex or hard to discern data trends or relationships among variables</a:t>
             </a:r>
           </a:p>
           <a:p>
             <a:pPr lvl="1"/>
             <a:r>
               <a:rPr lang="en-US" dirty="0"/>
-              <a:t>Followed by much sharper 21.5% increase in 2017-2018: 443,579 to 495,242</a:t>
-            </a:r>
-          </a:p>
-          <a:p>
-            <a:pPr lvl="2"/>
-            <a:r>
-              <a:rPr lang="en-US" dirty="0"/>
-              <a:t>So loan volume increased roughly 10x faster</a:t>
+              <a:t>Visualizations are also very effective at conveying results and analysis</a:t>
+            </a:r>
+          </a:p>
+          <a:p>
+            <a:pPr lvl="1"/>
+            <a:r>
+              <a:rPr lang="en-US" dirty="0"/>
+              <a:t>Visualizations are also great for monitoring KPIs and other important metrics</a:t>
+            </a:r>
+          </a:p>
+          <a:p>
+            <a:r>
+              <a:rPr lang="en-US" dirty="0"/>
+              <a:t>However, there are limitations to visualizations alone:</a:t>
+            </a:r>
+          </a:p>
+          <a:p>
+            <a:r>
+              <a:rPr lang="en-US" dirty="0"/>
+              <a:t>If you need precision or causal analysis, then additional data and statistical analytics and models will likely also be warranted</a:t>
+            </a:r>
+          </a:p>
+          <a:p>
+            <a:r>
+              <a:rPr lang="en-US" dirty="0"/>
+              <a:t>Additional types of data visualizations would’ve also been helpful for a more detailed analysis:</a:t>
+            </a:r>
+          </a:p>
+          <a:p>
+            <a:pPr lvl="1"/>
+            <a:r>
+              <a:rPr lang="en-US" dirty="0"/>
+              <a:t>For ex: a correlation coefficient matrix or heatmap—especially to show correlations of each variable with respect to loan performance.</a:t>
+            </a:r>
+          </a:p>
+          <a:p>
+            <a:pPr lvl="1"/>
+            <a:r>
+              <a:rPr lang="en-US" dirty="0"/>
+              <a:t>But this would also require more code, data cleaning, data transformations (creating sets of indicator variables, etc.) and processing time.</a:t>
+            </a:r>
+          </a:p>
+          <a:p>
+            <a:r>
+              <a:rPr lang="en-US" dirty="0"/>
+              <a:t>Some additional methods or testing that may be helpful for analyzing this dataset or other types of data analytics problems and datasets:</a:t>
+            </a:r>
+          </a:p>
+          <a:p>
+            <a:pPr lvl="1"/>
+            <a:r>
+              <a:rPr lang="en-US" dirty="0"/>
+              <a:t>statistical hypothesis testing</a:t>
+            </a:r>
+          </a:p>
+          <a:p>
+            <a:pPr lvl="1"/>
+            <a:r>
+              <a:rPr lang="en-US" dirty="0"/>
+              <a:t>regression analysis</a:t>
+            </a:r>
+          </a:p>
+          <a:p>
+            <a:pPr lvl="1"/>
+            <a:r>
+              <a:rPr lang="en-US" dirty="0"/>
+              <a:t>randomized controlled experiments such as A/B tests</a:t>
             </a:r>
           </a:p>
           <a:p>
@@ -3824,128 +3873,10 @@
           </a:p>
         </p:txBody>
       </p:sp>
-      <p:sp>
-        <p:nvSpPr>
-          <p:cNvPr id="4" name="Content Placeholder 3">
-            <a:extLst>
-              <a:ext uri="{FF2B5EF4-FFF2-40B4-BE49-F238E27FC236}">
-                <a16:creationId xmlns:a16="http://schemas.microsoft.com/office/drawing/2014/main" id="{4D3DFA83-DB8D-8D9D-36C3-A0FF85367A5B}"/>
-              </a:ext>
-            </a:extLst>
-          </p:cNvPr>
-          <p:cNvSpPr>
-            <a:spLocks noGrp="1"/>
-          </p:cNvSpPr>
-          <p:nvPr>
-            <p:ph sz="half" idx="2"/>
-          </p:nvPr>
-        </p:nvSpPr>
-        <p:spPr/>
-        <p:txBody>
-          <a:bodyPr>
-            <a:normAutofit fontScale="92500" lnSpcReduction="20000"/>
-          </a:bodyPr>
-          <a:lstStyle/>
-          <a:p>
-            <a:r>
-              <a:rPr lang="en-US" dirty="0"/>
-              <a:t>Drilling down to the monthly level, 2018 had more consistently high levels of loan volumes for months that normally tend to be slow</a:t>
-            </a:r>
-          </a:p>
-          <a:p>
-            <a:pPr lvl="1"/>
-            <a:r>
-              <a:rPr lang="en-US" dirty="0"/>
-              <a:t>April-July tend to be slow months, but in 2018 each of these months had &gt; 42k loans</a:t>
-            </a:r>
-          </a:p>
-          <a:p>
-            <a:r>
-              <a:rPr lang="en-US" dirty="0"/>
-              <a:t>This made 2018 a stronger year for loan volume even though February 2016 had the highest loan volume by far.</a:t>
-            </a:r>
-          </a:p>
-          <a:p>
-            <a:r>
-              <a:rPr lang="en-US" dirty="0"/>
-              <a:t>Overall, loan volume increased by 24% between Jan 2016 and Dec 2018</a:t>
-            </a:r>
-          </a:p>
-        </p:txBody>
-      </p:sp>
-      <p:graphicFrame>
-        <p:nvGraphicFramePr>
-          <p:cNvPr id="8" name="Content Placeholder 7">
-            <a:extLst>
-              <a:ext uri="{FF2B5EF4-FFF2-40B4-BE49-F238E27FC236}">
-                <a16:creationId xmlns:a16="http://schemas.microsoft.com/office/drawing/2014/main" id="{E8C50453-5C39-2BB4-9B84-DD61F961E3B7}"/>
-              </a:ext>
-            </a:extLst>
-          </p:cNvPr>
-          <p:cNvGraphicFramePr>
-            <a:graphicFrameLocks noChangeAspect="1"/>
-          </p:cNvGraphicFramePr>
-          <p:nvPr>
-            <p:extLst>
-              <p:ext uri="{D42A27DB-BD31-4B8C-83A1-F6EECF244321}">
-                <p14:modId xmlns:p14="http://schemas.microsoft.com/office/powerpoint/2010/main" val="428538206"/>
-              </p:ext>
-            </p:extLst>
-          </p:nvPr>
-        </p:nvGraphicFramePr>
-        <p:xfrm>
-          <a:off x="1453321" y="4356559"/>
-          <a:ext cx="3371491" cy="1955341"/>
-        </p:xfrm>
-        <a:graphic>
-          <a:graphicData uri="http://schemas.openxmlformats.org/presentationml/2006/ole">
-            <mc:AlternateContent xmlns:mc="http://schemas.openxmlformats.org/markup-compatibility/2006">
-              <mc:Choice xmlns:v="urn:schemas-microsoft-com:vml" Requires="v">
-                <p:oleObj name="PDF" r:id="rId2" imgW="0" imgH="360" progId="FoxitReader.Document">
-                  <p:embed/>
-                </p:oleObj>
-              </mc:Choice>
-              <mc:Fallback>
-                <p:oleObj name="PDF" r:id="rId2" imgW="0" imgH="360" progId="FoxitReader.Document">
-                  <p:embed/>
-                  <p:pic>
-                    <p:nvPicPr>
-                      <p:cNvPr id="8" name="Content Placeholder 7">
-                        <a:extLst>
-                          <a:ext uri="{FF2B5EF4-FFF2-40B4-BE49-F238E27FC236}">
-                            <a16:creationId xmlns:a16="http://schemas.microsoft.com/office/drawing/2014/main" id="{E8C50453-5C39-2BB4-9B84-DD61F961E3B7}"/>
-                          </a:ext>
-                        </a:extLst>
-                      </p:cNvPr>
-                      <p:cNvPicPr/>
-                      <p:nvPr/>
-                    </p:nvPicPr>
-                    <p:blipFill>
-                      <a:blip r:embed="rId3"/>
-                      <a:stretch>
-                        <a:fillRect/>
-                      </a:stretch>
-                    </p:blipFill>
-                    <p:spPr>
-                      <a:xfrm>
-                        <a:off x="1453321" y="4356559"/>
-                        <a:ext cx="3371491" cy="1955341"/>
-                      </a:xfrm>
-                      <a:prstGeom prst="rect">
-                        <a:avLst/>
-                      </a:prstGeom>
-                    </p:spPr>
-                  </p:pic>
-                </p:oleObj>
-              </mc:Fallback>
-            </mc:AlternateContent>
-          </a:graphicData>
-        </a:graphic>
-      </p:graphicFrame>
     </p:spTree>
     <p:extLst>
       <p:ext uri="{BB962C8B-B14F-4D97-AF65-F5344CB8AC3E}">
-        <p14:creationId xmlns:p14="http://schemas.microsoft.com/office/powerpoint/2010/main" val="1582975364"/>
+        <p14:creationId xmlns:p14="http://schemas.microsoft.com/office/powerpoint/2010/main" val="3847368909"/>
       </p:ext>
     </p:extLst>
   </p:cSld>
@@ -3977,7 +3908,7 @@
           <p:cNvPr id="2" name="Title 1">
             <a:extLst>
               <a:ext uri="{FF2B5EF4-FFF2-40B4-BE49-F238E27FC236}">
-                <a16:creationId xmlns:a16="http://schemas.microsoft.com/office/drawing/2014/main" id="{C598F4FE-A0AC-4627-CDD6-DD4B86CE77FF}"/>
+                <a16:creationId xmlns:a16="http://schemas.microsoft.com/office/drawing/2014/main" id="{AEE84C13-239E-9E1A-EABD-AB0A3F9EC38B}"/>
               </a:ext>
             </a:extLst>
           </p:cNvPr>
@@ -3995,7 +3926,7 @@
           <a:p>
             <a:r>
               <a:rPr lang="en-US" dirty="0"/>
-              <a:t>Seasonality in loan volume</a:t>
+              <a:t>Software and Tools Used</a:t>
             </a:r>
           </a:p>
         </p:txBody>
@@ -4005,450 +3936,69 @@
           <p:cNvPr id="3" name="Content Placeholder 2">
             <a:extLst>
               <a:ext uri="{FF2B5EF4-FFF2-40B4-BE49-F238E27FC236}">
-                <a16:creationId xmlns:a16="http://schemas.microsoft.com/office/drawing/2014/main" id="{F2CE2DCD-A0E3-6791-EEC3-B0F7B7EBE321}"/>
-              </a:ext>
-            </a:extLst>
-          </p:cNvPr>
-          <p:cNvSpPr>
-            <a:spLocks noGrp="1"/>
-          </p:cNvSpPr>
-          <p:nvPr>
-            <p:ph sz="half" idx="1"/>
+                <a16:creationId xmlns:a16="http://schemas.microsoft.com/office/drawing/2014/main" id="{DB7D0816-14D3-FC87-DF2F-6229ED0979BB}"/>
+              </a:ext>
+            </a:extLst>
+          </p:cNvPr>
+          <p:cNvSpPr>
+            <a:spLocks noGrp="1"/>
+          </p:cNvSpPr>
+          <p:nvPr>
+            <p:ph idx="1"/>
           </p:nvPr>
         </p:nvSpPr>
         <p:spPr/>
         <p:txBody>
           <a:bodyPr>
-            <a:normAutofit fontScale="92500" lnSpcReduction="10000"/>
+            <a:normAutofit fontScale="62500" lnSpcReduction="20000"/>
           </a:bodyPr>
           <a:lstStyle/>
           <a:p>
             <a:r>
               <a:rPr lang="en-US" dirty="0"/>
-              <a:t>Loan volume tends to fluctuate with somewhat similar patterns</a:t>
+              <a:t>Power BI (primarily):</a:t>
             </a:r>
           </a:p>
           <a:p>
             <a:pPr lvl="1"/>
             <a:r>
               <a:rPr lang="en-US" dirty="0"/>
-              <a:t>Every 1-3 months or so, loan volume will increase MoM followed by 1-2 MoM declines in loan volume</a:t>
-            </a:r>
-          </a:p>
-          <a:p>
-            <a:r>
-              <a:rPr lang="en-US" dirty="0"/>
-              <a:t>Jan &amp; Feb tend to have the lowest volumes</a:t>
-            </a:r>
-          </a:p>
-          <a:p>
-            <a:r>
-              <a:rPr lang="en-US" dirty="0"/>
-              <a:t>March, November, and August tend to be the peaks in loan volume</a:t>
-            </a:r>
-          </a:p>
-          <a:p>
-            <a:r>
-              <a:rPr lang="en-US" dirty="0"/>
-              <a:t>Global max in March 2016, but followed by 2 months of sharp declines</a:t>
-            </a:r>
-          </a:p>
-          <a:p>
-            <a:endParaRPr lang="en-US" dirty="0"/>
-          </a:p>
-        </p:txBody>
-      </p:sp>
-      <p:sp>
-        <p:nvSpPr>
-          <p:cNvPr id="10" name="Content Placeholder 9">
-            <a:extLst>
-              <a:ext uri="{FF2B5EF4-FFF2-40B4-BE49-F238E27FC236}">
-                <a16:creationId xmlns:a16="http://schemas.microsoft.com/office/drawing/2014/main" id="{8B19BD72-B2F0-C6DB-E076-74E4D79DB308}"/>
-              </a:ext>
-            </a:extLst>
-          </p:cNvPr>
-          <p:cNvSpPr>
-            <a:spLocks noGrp="1"/>
-          </p:cNvSpPr>
-          <p:nvPr>
-            <p:ph sz="half" idx="2"/>
-          </p:nvPr>
-        </p:nvSpPr>
-        <p:spPr/>
-        <p:txBody>
-          <a:bodyPr/>
-          <a:lstStyle/>
-          <a:p>
-            <a:endParaRPr lang="en-US"/>
-          </a:p>
-        </p:txBody>
-      </p:sp>
-    </p:spTree>
-    <p:extLst>
-      <p:ext uri="{BB962C8B-B14F-4D97-AF65-F5344CB8AC3E}">
-        <p14:creationId xmlns:p14="http://schemas.microsoft.com/office/powerpoint/2010/main" val="1184115101"/>
-      </p:ext>
-    </p:extLst>
-  </p:cSld>
-  <p:clrMapOvr>
-    <a:masterClrMapping/>
-  </p:clrMapOvr>
-</p:sld>
-</file>
-
-<file path=ppt/slides/slide5.xml><?xml version="1.0" encoding="utf-8"?>
-<p:sld xmlns:a="http://schemas.openxmlformats.org/drawingml/2006/main" xmlns:r="http://schemas.openxmlformats.org/officeDocument/2006/relationships" xmlns:p="http://schemas.openxmlformats.org/presentationml/2006/main">
-  <p:cSld>
-    <p:spTree>
-      <p:nvGrpSpPr>
-        <p:cNvPr id="1" name=""/>
-        <p:cNvGrpSpPr/>
-        <p:nvPr/>
-      </p:nvGrpSpPr>
-      <p:grpSpPr>
-        <a:xfrm>
-          <a:off x="0" y="0"/>
-          <a:ext cx="0" cy="0"/>
-          <a:chOff x="0" y="0"/>
-          <a:chExt cx="0" cy="0"/>
-        </a:xfrm>
-      </p:grpSpPr>
-      <p:sp>
-        <p:nvSpPr>
-          <p:cNvPr id="2" name="Title 1">
-            <a:extLst>
-              <a:ext uri="{FF2B5EF4-FFF2-40B4-BE49-F238E27FC236}">
-                <a16:creationId xmlns:a16="http://schemas.microsoft.com/office/drawing/2014/main" id="{1E33200B-602D-DBA4-722C-0FC51B73F244}"/>
-              </a:ext>
-            </a:extLst>
-          </p:cNvPr>
-          <p:cNvSpPr>
-            <a:spLocks noGrp="1"/>
-          </p:cNvSpPr>
-          <p:nvPr>
-            <p:ph type="title"/>
-          </p:nvPr>
-        </p:nvSpPr>
-        <p:spPr/>
-        <p:txBody>
-          <a:bodyPr/>
-          <a:lstStyle/>
-          <a:p>
-            <a:r>
-              <a:rPr lang="en-US" dirty="0"/>
-              <a:t>Loan grades vs Loan performance</a:t>
-            </a:r>
-          </a:p>
-        </p:txBody>
-      </p:sp>
-      <p:sp>
-        <p:nvSpPr>
-          <p:cNvPr id="3" name="Content Placeholder 2">
-            <a:extLst>
-              <a:ext uri="{FF2B5EF4-FFF2-40B4-BE49-F238E27FC236}">
-                <a16:creationId xmlns:a16="http://schemas.microsoft.com/office/drawing/2014/main" id="{55536D63-91DB-EFB8-0FFD-D298C6EE8BFE}"/>
-              </a:ext>
-            </a:extLst>
-          </p:cNvPr>
-          <p:cNvSpPr>
-            <a:spLocks noGrp="1"/>
-          </p:cNvSpPr>
-          <p:nvPr>
-            <p:ph idx="1"/>
-          </p:nvPr>
-        </p:nvSpPr>
-        <p:spPr/>
-        <p:txBody>
-          <a:bodyPr/>
-          <a:lstStyle/>
-          <a:p>
-            <a:endParaRPr lang="en-US"/>
-          </a:p>
-        </p:txBody>
-      </p:sp>
-    </p:spTree>
-    <p:extLst>
-      <p:ext uri="{BB962C8B-B14F-4D97-AF65-F5344CB8AC3E}">
-        <p14:creationId xmlns:p14="http://schemas.microsoft.com/office/powerpoint/2010/main" val="137242517"/>
-      </p:ext>
-    </p:extLst>
-  </p:cSld>
-  <p:clrMapOvr>
-    <a:masterClrMapping/>
-  </p:clrMapOvr>
-</p:sld>
-</file>
-
-<file path=ppt/slides/slide6.xml><?xml version="1.0" encoding="utf-8"?>
-<p:sld xmlns:a="http://schemas.openxmlformats.org/drawingml/2006/main" xmlns:r="http://schemas.openxmlformats.org/officeDocument/2006/relationships" xmlns:p="http://schemas.openxmlformats.org/presentationml/2006/main">
-  <p:cSld>
-    <p:spTree>
-      <p:nvGrpSpPr>
-        <p:cNvPr id="1" name=""/>
-        <p:cNvGrpSpPr/>
-        <p:nvPr/>
-      </p:nvGrpSpPr>
-      <p:grpSpPr>
-        <a:xfrm>
-          <a:off x="0" y="0"/>
-          <a:ext cx="0" cy="0"/>
-          <a:chOff x="0" y="0"/>
-          <a:chExt cx="0" cy="0"/>
-        </a:xfrm>
-      </p:grpSpPr>
-      <p:sp>
-        <p:nvSpPr>
-          <p:cNvPr id="2" name="Title 1">
-            <a:extLst>
-              <a:ext uri="{FF2B5EF4-FFF2-40B4-BE49-F238E27FC236}">
-                <a16:creationId xmlns:a16="http://schemas.microsoft.com/office/drawing/2014/main" id="{AF09FB17-FB1D-D7BA-31AD-54820F29D248}"/>
-              </a:ext>
-            </a:extLst>
-          </p:cNvPr>
-          <p:cNvSpPr>
-            <a:spLocks noGrp="1"/>
-          </p:cNvSpPr>
-          <p:nvPr>
-            <p:ph type="title"/>
-          </p:nvPr>
-        </p:nvSpPr>
-        <p:spPr/>
-        <p:txBody>
-          <a:bodyPr/>
-          <a:lstStyle/>
-          <a:p>
-            <a:r>
-              <a:rPr lang="en-US" dirty="0"/>
-              <a:t>Borrower Factors that affect Loan performance</a:t>
-            </a:r>
-          </a:p>
-        </p:txBody>
-      </p:sp>
-      <p:sp>
-        <p:nvSpPr>
-          <p:cNvPr id="3" name="Content Placeholder 2">
-            <a:extLst>
-              <a:ext uri="{FF2B5EF4-FFF2-40B4-BE49-F238E27FC236}">
-                <a16:creationId xmlns:a16="http://schemas.microsoft.com/office/drawing/2014/main" id="{23098FA1-EE4C-DEBD-70AE-D16DB4DD9992}"/>
-              </a:ext>
-            </a:extLst>
-          </p:cNvPr>
-          <p:cNvSpPr>
-            <a:spLocks noGrp="1"/>
-          </p:cNvSpPr>
-          <p:nvPr>
-            <p:ph idx="1"/>
-          </p:nvPr>
-        </p:nvSpPr>
-        <p:spPr/>
-        <p:txBody>
-          <a:bodyPr/>
-          <a:lstStyle/>
-          <a:p>
-            <a:endParaRPr lang="en-US"/>
-          </a:p>
-        </p:txBody>
-      </p:sp>
-    </p:spTree>
-    <p:extLst>
-      <p:ext uri="{BB962C8B-B14F-4D97-AF65-F5344CB8AC3E}">
-        <p14:creationId xmlns:p14="http://schemas.microsoft.com/office/powerpoint/2010/main" val="46766243"/>
-      </p:ext>
-    </p:extLst>
-  </p:cSld>
-  <p:clrMapOvr>
-    <a:masterClrMapping/>
-  </p:clrMapOvr>
-</p:sld>
-</file>
-
-<file path=ppt/slides/slide7.xml><?xml version="1.0" encoding="utf-8"?>
-<p:sld xmlns:a="http://schemas.openxmlformats.org/drawingml/2006/main" xmlns:r="http://schemas.openxmlformats.org/officeDocument/2006/relationships" xmlns:p="http://schemas.openxmlformats.org/presentationml/2006/main">
-  <p:cSld>
-    <p:spTree>
-      <p:nvGrpSpPr>
-        <p:cNvPr id="1" name="">
-          <a:extLst>
-            <a:ext uri="{FF2B5EF4-FFF2-40B4-BE49-F238E27FC236}">
-              <a16:creationId xmlns:a16="http://schemas.microsoft.com/office/drawing/2014/main" id="{A242B98A-B39F-0D0A-BB1B-3CDFB80C9FBD}"/>
-            </a:ext>
-          </a:extLst>
-        </p:cNvPr>
-        <p:cNvGrpSpPr/>
-        <p:nvPr/>
-      </p:nvGrpSpPr>
-      <p:grpSpPr>
-        <a:xfrm>
-          <a:off x="0" y="0"/>
-          <a:ext cx="0" cy="0"/>
-          <a:chOff x="0" y="0"/>
-          <a:chExt cx="0" cy="0"/>
-        </a:xfrm>
-      </p:grpSpPr>
-      <p:sp>
-        <p:nvSpPr>
-          <p:cNvPr id="2" name="Title 1">
-            <a:extLst>
-              <a:ext uri="{FF2B5EF4-FFF2-40B4-BE49-F238E27FC236}">
-                <a16:creationId xmlns:a16="http://schemas.microsoft.com/office/drawing/2014/main" id="{16B4BA2F-E230-DB6E-3414-0517F39BE6FB}"/>
-              </a:ext>
-            </a:extLst>
-          </p:cNvPr>
-          <p:cNvSpPr>
-            <a:spLocks noGrp="1"/>
-          </p:cNvSpPr>
-          <p:nvPr>
-            <p:ph type="title"/>
-          </p:nvPr>
-        </p:nvSpPr>
-        <p:spPr/>
-        <p:txBody>
-          <a:bodyPr/>
-          <a:lstStyle/>
-          <a:p>
-            <a:r>
-              <a:rPr lang="en-US" dirty="0"/>
-              <a:t>Other Trends and characteristics of the Loan data</a:t>
-            </a:r>
-          </a:p>
-        </p:txBody>
-      </p:sp>
-      <p:sp>
-        <p:nvSpPr>
-          <p:cNvPr id="3" name="Content Placeholder 2">
-            <a:extLst>
-              <a:ext uri="{FF2B5EF4-FFF2-40B4-BE49-F238E27FC236}">
-                <a16:creationId xmlns:a16="http://schemas.microsoft.com/office/drawing/2014/main" id="{5FD040C1-2BCD-1BAA-840E-BB445590457B}"/>
-              </a:ext>
-            </a:extLst>
-          </p:cNvPr>
-          <p:cNvSpPr>
-            <a:spLocks noGrp="1"/>
-          </p:cNvSpPr>
-          <p:nvPr>
-            <p:ph idx="1"/>
-          </p:nvPr>
-        </p:nvSpPr>
-        <p:spPr/>
-        <p:txBody>
-          <a:bodyPr/>
-          <a:lstStyle/>
-          <a:p>
-            <a:endParaRPr lang="en-US"/>
-          </a:p>
-        </p:txBody>
-      </p:sp>
-    </p:spTree>
-    <p:extLst>
-      <p:ext uri="{BB962C8B-B14F-4D97-AF65-F5344CB8AC3E}">
-        <p14:creationId xmlns:p14="http://schemas.microsoft.com/office/powerpoint/2010/main" val="3612144096"/>
-      </p:ext>
-    </p:extLst>
-  </p:cSld>
-  <p:clrMapOvr>
-    <a:masterClrMapping/>
-  </p:clrMapOvr>
-</p:sld>
-</file>
-
-<file path=ppt/slides/slide8.xml><?xml version="1.0" encoding="utf-8"?>
-<p:sld xmlns:a="http://schemas.openxmlformats.org/drawingml/2006/main" xmlns:r="http://schemas.openxmlformats.org/officeDocument/2006/relationships" xmlns:p="http://schemas.openxmlformats.org/presentationml/2006/main">
-  <p:cSld>
-    <p:spTree>
-      <p:nvGrpSpPr>
-        <p:cNvPr id="1" name=""/>
-        <p:cNvGrpSpPr/>
-        <p:nvPr/>
-      </p:nvGrpSpPr>
-      <p:grpSpPr>
-        <a:xfrm>
-          <a:off x="0" y="0"/>
-          <a:ext cx="0" cy="0"/>
-          <a:chOff x="0" y="0"/>
-          <a:chExt cx="0" cy="0"/>
-        </a:xfrm>
-      </p:grpSpPr>
-      <p:sp>
-        <p:nvSpPr>
-          <p:cNvPr id="2" name="Title 1">
-            <a:extLst>
-              <a:ext uri="{FF2B5EF4-FFF2-40B4-BE49-F238E27FC236}">
-                <a16:creationId xmlns:a16="http://schemas.microsoft.com/office/drawing/2014/main" id="{AEE84C13-239E-9E1A-EABD-AB0A3F9EC38B}"/>
-              </a:ext>
-            </a:extLst>
-          </p:cNvPr>
-          <p:cNvSpPr>
-            <a:spLocks noGrp="1"/>
-          </p:cNvSpPr>
-          <p:nvPr>
-            <p:ph type="title"/>
-          </p:nvPr>
-        </p:nvSpPr>
-        <p:spPr/>
-        <p:txBody>
-          <a:bodyPr/>
-          <a:lstStyle/>
-          <a:p>
-            <a:r>
-              <a:rPr lang="en-US" dirty="0"/>
-              <a:t>Software and Tools Used</a:t>
-            </a:r>
-          </a:p>
-        </p:txBody>
-      </p:sp>
-      <p:sp>
-        <p:nvSpPr>
-          <p:cNvPr id="3" name="Content Placeholder 2">
-            <a:extLst>
-              <a:ext uri="{FF2B5EF4-FFF2-40B4-BE49-F238E27FC236}">
-                <a16:creationId xmlns:a16="http://schemas.microsoft.com/office/drawing/2014/main" id="{DB7D0816-14D3-FC87-DF2F-6229ED0979BB}"/>
-              </a:ext>
-            </a:extLst>
-          </p:cNvPr>
-          <p:cNvSpPr>
-            <a:spLocks noGrp="1"/>
-          </p:cNvSpPr>
-          <p:nvPr>
-            <p:ph idx="1"/>
-          </p:nvPr>
-        </p:nvSpPr>
-        <p:spPr/>
-        <p:txBody>
-          <a:bodyPr>
-            <a:normAutofit fontScale="85000" lnSpcReduction="20000"/>
-          </a:bodyPr>
-          <a:lstStyle/>
-          <a:p>
-            <a:r>
-              <a:rPr lang="en-US" dirty="0"/>
-              <a:t>Power BI (primarily):</a:t>
+              <a:t>To create data visualizations</a:t>
+            </a:r>
+          </a:p>
+          <a:p>
+            <a:pPr lvl="2"/>
+            <a:r>
+              <a:rPr lang="en-US" dirty="0"/>
+              <a:t>Created various plots and charts</a:t>
+            </a:r>
+          </a:p>
+          <a:p>
+            <a:pPr lvl="2"/>
+            <a:r>
+              <a:rPr lang="en-US" dirty="0"/>
+              <a:t>Created customized Power BI diverging color theme to convey “Good”== blue vs “Bad”==red palette via .</a:t>
+            </a:r>
+            <a:r>
+              <a:rPr lang="en-US" dirty="0" err="1"/>
+              <a:t>json</a:t>
+            </a:r>
+            <a:r>
+              <a:rPr lang="en-US" dirty="0"/>
+              <a:t> file </a:t>
             </a:r>
           </a:p>
           <a:p>
             <a:pPr lvl="1"/>
             <a:r>
               <a:rPr lang="en-US" dirty="0"/>
-              <a:t>To create data visualizations</a:t>
+              <a:t>To create new columns and calculated fields via DAX statements to clean and transform the data</a:t>
             </a:r>
           </a:p>
           <a:p>
             <a:pPr lvl="2"/>
             <a:r>
               <a:rPr lang="en-US" dirty="0"/>
-              <a:t>Created various plots and charts</a:t>
-            </a:r>
-          </a:p>
-          <a:p>
-            <a:pPr lvl="1"/>
-            <a:r>
-              <a:rPr lang="en-US" dirty="0"/>
-              <a:t>To create new columns and calculated fields via DAX statements to clean and transform the data</a:t>
-            </a:r>
-          </a:p>
-          <a:p>
-            <a:pPr lvl="2"/>
-            <a:r>
-              <a:rPr lang="en-US" dirty="0"/>
               <a:t>For example:</a:t>
             </a:r>
           </a:p>
@@ -4456,7 +4006,7 @@
             <a:pPr lvl="3"/>
             <a:r>
               <a:rPr lang="en-US" dirty="0"/>
-              <a:t>To get counts of loan grade</a:t>
+              <a:t>To get counts of loan grade, employee length, etc.</a:t>
             </a:r>
           </a:p>
           <a:p>
@@ -4483,14 +4033,33 @@
             </a:r>
           </a:p>
           <a:p>
-            <a:pPr lvl="3"/>
-            <a:endParaRPr lang="en-US" dirty="0"/>
-          </a:p>
-          <a:p>
             <a:pPr lvl="1"/>
             <a:r>
               <a:rPr lang="en-US" dirty="0"/>
-              <a:t>Switched to Power BI vs Python after I had issues importing the CSV file (due to RAM constraints) into Python via Pandas’ </a:t>
+              <a:t>Cleaned data: removed loan performance nulls (</a:t>
+            </a:r>
+            <a:r>
+              <a:rPr lang="en-US" dirty="0" err="1"/>
+              <a:t>ie</a:t>
+            </a:r>
+            <a:r>
+              <a:rPr lang="en-US" dirty="0"/>
+              <a:t>, </a:t>
+            </a:r>
+            <a:r>
+              <a:rPr lang="en-US" dirty="0" err="1"/>
+              <a:t>loan_status</a:t>
+            </a:r>
+            <a:r>
+              <a:rPr lang="en-US" dirty="0"/>
+              <a:t> with blank rows): only 38 null rows</a:t>
+            </a:r>
+          </a:p>
+          <a:p>
+            <a:pPr lvl="1"/>
+            <a:r>
+              <a:rPr lang="en-US" dirty="0"/>
+              <a:t>Switched to Power BI vs Python after I initially had issues importing the CSV file (due to RAM constraints) into Python via Pandas’ </a:t>
             </a:r>
             <a:r>
               <a:rPr lang="en-US" dirty="0" err="1"/>
@@ -4505,23 +4074,7 @@
             <a:pPr lvl="2"/>
             <a:r>
               <a:rPr lang="en-US" dirty="0"/>
-              <a:t>To be clear: Other packages and options exist in Python for handling large files—e.g.: </a:t>
-            </a:r>
-            <a:r>
-              <a:rPr lang="en-US" dirty="0" err="1"/>
-              <a:t>pyspark</a:t>
-            </a:r>
-            <a:r>
-              <a:rPr lang="en-US" dirty="0"/>
-              <a:t>, polars, cloud-based options, packages involving SQL, etc.—but I’m most familiar with Pandas &amp; </a:t>
-            </a:r>
-            <a:r>
-              <a:rPr lang="en-US" dirty="0" err="1"/>
-              <a:t>numPy</a:t>
-            </a:r>
-            <a:r>
-              <a:rPr lang="en-US" dirty="0"/>
-              <a:t> packages for data cleaning and file processing</a:t>
+              <a:t>(had to import the data in chunks and specify some data types for several columns while importing)</a:t>
             </a:r>
           </a:p>
           <a:p>
@@ -4534,8 +4087,43 @@
             <a:pPr lvl="1"/>
             <a:r>
               <a:rPr lang="en-US" dirty="0"/>
-              <a:t>Mainly to do some extra statistical and regression analysis</a:t>
-            </a:r>
+              <a:t>Implement plots that aren’t available without a Power BI account and download plugins</a:t>
+            </a:r>
+          </a:p>
+          <a:p>
+            <a:pPr lvl="2"/>
+            <a:r>
+              <a:rPr lang="en-US" dirty="0"/>
+              <a:t>Box plots</a:t>
+            </a:r>
+          </a:p>
+          <a:p>
+            <a:pPr lvl="1"/>
+            <a:r>
+              <a:rPr lang="en-US" dirty="0"/>
+              <a:t>And to do some extra statistical and regression analysis</a:t>
+            </a:r>
+          </a:p>
+          <a:p>
+            <a:pPr lvl="1"/>
+            <a:endParaRPr lang="en-US" dirty="0"/>
+          </a:p>
+          <a:p>
+            <a:r>
+              <a:rPr lang="en-US" dirty="0"/>
+              <a:t>GitHub:</a:t>
+            </a:r>
+          </a:p>
+          <a:p>
+            <a:pPr lvl="1"/>
+            <a:r>
+              <a:rPr lang="en-US" dirty="0"/>
+              <a:t> to store/backup several files and track changes.</a:t>
+            </a:r>
+          </a:p>
+          <a:p>
+            <a:pPr lvl="1"/>
+            <a:endParaRPr lang="en-US" dirty="0"/>
           </a:p>
           <a:p>
             <a:endParaRPr lang="en-US" dirty="0"/>

--- a/Data Analysis Project for Nulnet March 2024.pptx
+++ b/Data Analysis Project for Nulnet March 2024.pptx
@@ -7,8 +7,7 @@
   <p:sldIdLst>
     <p:sldId id="256" r:id="rId2"/>
     <p:sldId id="262" r:id="rId3"/>
-    <p:sldId id="266" r:id="rId4"/>
-    <p:sldId id="265" r:id="rId5"/>
+    <p:sldId id="265" r:id="rId4"/>
   </p:sldIdLst>
   <p:sldSz cx="12192000" cy="6858000"/>
   <p:notesSz cx="6858000" cy="9144000"/>
@@ -3736,178 +3735,6 @@
           <p:cNvPr id="2" name="Title 1">
             <a:extLst>
               <a:ext uri="{FF2B5EF4-FFF2-40B4-BE49-F238E27FC236}">
-                <a16:creationId xmlns:a16="http://schemas.microsoft.com/office/drawing/2014/main" id="{50A72B90-4329-C489-C7F7-B421E9AAA2FF}"/>
-              </a:ext>
-            </a:extLst>
-          </p:cNvPr>
-          <p:cNvSpPr>
-            <a:spLocks noGrp="1"/>
-          </p:cNvSpPr>
-          <p:nvPr>
-            <p:ph type="title"/>
-          </p:nvPr>
-        </p:nvSpPr>
-        <p:spPr/>
-        <p:txBody>
-          <a:bodyPr/>
-          <a:lstStyle/>
-          <a:p>
-            <a:r>
-              <a:rPr lang="en-US" dirty="0"/>
-              <a:t>Limitations of this Analysis and Suggestions for Extended Analysis</a:t>
-            </a:r>
-          </a:p>
-        </p:txBody>
-      </p:sp>
-      <p:sp>
-        <p:nvSpPr>
-          <p:cNvPr id="3" name="Content Placeholder 2">
-            <a:extLst>
-              <a:ext uri="{FF2B5EF4-FFF2-40B4-BE49-F238E27FC236}">
-                <a16:creationId xmlns:a16="http://schemas.microsoft.com/office/drawing/2014/main" id="{3D4037FA-09EF-01EE-023D-422783CABAAD}"/>
-              </a:ext>
-            </a:extLst>
-          </p:cNvPr>
-          <p:cNvSpPr>
-            <a:spLocks noGrp="1"/>
-          </p:cNvSpPr>
-          <p:nvPr>
-            <p:ph idx="1"/>
-          </p:nvPr>
-        </p:nvSpPr>
-        <p:spPr/>
-        <p:txBody>
-          <a:bodyPr>
-            <a:normAutofit fontScale="62500" lnSpcReduction="20000"/>
-          </a:bodyPr>
-          <a:lstStyle/>
-          <a:p>
-            <a:r>
-              <a:rPr lang="en-US" dirty="0"/>
-              <a:t>Data visualizations are extremely useful and versatile tools for analyzing data</a:t>
-            </a:r>
-          </a:p>
-          <a:p>
-            <a:pPr lvl="1"/>
-            <a:r>
-              <a:rPr lang="en-US" dirty="0"/>
-              <a:t>Visualizations are a great way to explain potentially complex or hard to discern data trends or relationships among variables</a:t>
-            </a:r>
-          </a:p>
-          <a:p>
-            <a:pPr lvl="1"/>
-            <a:r>
-              <a:rPr lang="en-US" dirty="0"/>
-              <a:t>Visualizations are also very effective at conveying results and analysis</a:t>
-            </a:r>
-          </a:p>
-          <a:p>
-            <a:pPr lvl="1"/>
-            <a:r>
-              <a:rPr lang="en-US" dirty="0"/>
-              <a:t>Visualizations are also great for monitoring KPIs and other important metrics</a:t>
-            </a:r>
-          </a:p>
-          <a:p>
-            <a:r>
-              <a:rPr lang="en-US" dirty="0"/>
-              <a:t>However, there are limitations to visualizations alone:</a:t>
-            </a:r>
-          </a:p>
-          <a:p>
-            <a:r>
-              <a:rPr lang="en-US" dirty="0"/>
-              <a:t>If you need precision or causal analysis, then additional data and statistical analytics and models will likely also be warranted</a:t>
-            </a:r>
-          </a:p>
-          <a:p>
-            <a:r>
-              <a:rPr lang="en-US" dirty="0"/>
-              <a:t>Additional types of data visualizations would’ve also been helpful for a more detailed analysis:</a:t>
-            </a:r>
-          </a:p>
-          <a:p>
-            <a:pPr lvl="1"/>
-            <a:r>
-              <a:rPr lang="en-US" dirty="0"/>
-              <a:t>For ex: a correlation coefficient matrix or heatmap—especially to show correlations of each variable with respect to loan performance.</a:t>
-            </a:r>
-          </a:p>
-          <a:p>
-            <a:pPr lvl="1"/>
-            <a:r>
-              <a:rPr lang="en-US" dirty="0"/>
-              <a:t>But this would also require more code, data cleaning, data transformations (creating sets of indicator variables, etc.) and processing time.</a:t>
-            </a:r>
-          </a:p>
-          <a:p>
-            <a:r>
-              <a:rPr lang="en-US" dirty="0"/>
-              <a:t>Some additional methods or testing that may be helpful for analyzing this dataset or other types of data analytics problems and datasets:</a:t>
-            </a:r>
-          </a:p>
-          <a:p>
-            <a:pPr lvl="1"/>
-            <a:r>
-              <a:rPr lang="en-US" dirty="0"/>
-              <a:t>statistical hypothesis testing</a:t>
-            </a:r>
-          </a:p>
-          <a:p>
-            <a:pPr lvl="1"/>
-            <a:r>
-              <a:rPr lang="en-US" dirty="0"/>
-              <a:t>regression analysis</a:t>
-            </a:r>
-          </a:p>
-          <a:p>
-            <a:pPr lvl="1"/>
-            <a:r>
-              <a:rPr lang="en-US" dirty="0"/>
-              <a:t>randomized controlled experiments such as A/B tests</a:t>
-            </a:r>
-          </a:p>
-          <a:p>
-            <a:pPr lvl="1"/>
-            <a:endParaRPr lang="en-US" dirty="0"/>
-          </a:p>
-        </p:txBody>
-      </p:sp>
-    </p:spTree>
-    <p:extLst>
-      <p:ext uri="{BB962C8B-B14F-4D97-AF65-F5344CB8AC3E}">
-        <p14:creationId xmlns:p14="http://schemas.microsoft.com/office/powerpoint/2010/main" val="3847368909"/>
-      </p:ext>
-    </p:extLst>
-  </p:cSld>
-  <p:clrMapOvr>
-    <a:masterClrMapping/>
-  </p:clrMapOvr>
-</p:sld>
-</file>
-
-<file path=ppt/slides/slide4.xml><?xml version="1.0" encoding="utf-8"?>
-<p:sld xmlns:a="http://schemas.openxmlformats.org/drawingml/2006/main" xmlns:r="http://schemas.openxmlformats.org/officeDocument/2006/relationships" xmlns:p="http://schemas.openxmlformats.org/presentationml/2006/main">
-  <p:cSld>
-    <p:spTree>
-      <p:nvGrpSpPr>
-        <p:cNvPr id="1" name=""/>
-        <p:cNvGrpSpPr/>
-        <p:nvPr/>
-      </p:nvGrpSpPr>
-      <p:grpSpPr>
-        <a:xfrm>
-          <a:off x="0" y="0"/>
-          <a:ext cx="0" cy="0"/>
-          <a:chOff x="0" y="0"/>
-          <a:chExt cx="0" cy="0"/>
-        </a:xfrm>
-      </p:grpSpPr>
-      <p:sp>
-        <p:nvSpPr>
-          <p:cNvPr id="2" name="Title 1">
-            <a:extLst>
-              <a:ext uri="{FF2B5EF4-FFF2-40B4-BE49-F238E27FC236}">
                 <a16:creationId xmlns:a16="http://schemas.microsoft.com/office/drawing/2014/main" id="{AEE84C13-239E-9E1A-EABD-AB0A3F9EC38B}"/>
               </a:ext>
             </a:extLst>

--- a/Data Analysis Project for Nulnet March 2024.pptx
+++ b/Data Analysis Project for Nulnet March 2024.pptx
@@ -261,7 +261,7 @@
           <a:p>
             <a:fld id="{D40757AC-DC10-4B94-AC96-3B64501BAD13}" type="datetimeFigureOut">
               <a:rPr lang="en-US" smtClean="0"/>
-              <a:t>3/19/2024</a:t>
+              <a:t>3/21/2024</a:t>
             </a:fld>
             <a:endParaRPr lang="en-US"/>
           </a:p>
@@ -459,7 +459,7 @@
           <a:p>
             <a:fld id="{D40757AC-DC10-4B94-AC96-3B64501BAD13}" type="datetimeFigureOut">
               <a:rPr lang="en-US" smtClean="0"/>
-              <a:t>3/19/2024</a:t>
+              <a:t>3/21/2024</a:t>
             </a:fld>
             <a:endParaRPr lang="en-US"/>
           </a:p>
@@ -667,7 +667,7 @@
           <a:p>
             <a:fld id="{D40757AC-DC10-4B94-AC96-3B64501BAD13}" type="datetimeFigureOut">
               <a:rPr lang="en-US" smtClean="0"/>
-              <a:t>3/19/2024</a:t>
+              <a:t>3/21/2024</a:t>
             </a:fld>
             <a:endParaRPr lang="en-US"/>
           </a:p>
@@ -865,7 +865,7 @@
           <a:p>
             <a:fld id="{D40757AC-DC10-4B94-AC96-3B64501BAD13}" type="datetimeFigureOut">
               <a:rPr lang="en-US" smtClean="0"/>
-              <a:t>3/19/2024</a:t>
+              <a:t>3/21/2024</a:t>
             </a:fld>
             <a:endParaRPr lang="en-US"/>
           </a:p>
@@ -1140,7 +1140,7 @@
           <a:p>
             <a:fld id="{D40757AC-DC10-4B94-AC96-3B64501BAD13}" type="datetimeFigureOut">
               <a:rPr lang="en-US" smtClean="0"/>
-              <a:t>3/19/2024</a:t>
+              <a:t>3/21/2024</a:t>
             </a:fld>
             <a:endParaRPr lang="en-US"/>
           </a:p>
@@ -1405,7 +1405,7 @@
           <a:p>
             <a:fld id="{D40757AC-DC10-4B94-AC96-3B64501BAD13}" type="datetimeFigureOut">
               <a:rPr lang="en-US" smtClean="0"/>
-              <a:t>3/19/2024</a:t>
+              <a:t>3/21/2024</a:t>
             </a:fld>
             <a:endParaRPr lang="en-US"/>
           </a:p>
@@ -1817,7 +1817,7 @@
           <a:p>
             <a:fld id="{D40757AC-DC10-4B94-AC96-3B64501BAD13}" type="datetimeFigureOut">
               <a:rPr lang="en-US" smtClean="0"/>
-              <a:t>3/19/2024</a:t>
+              <a:t>3/21/2024</a:t>
             </a:fld>
             <a:endParaRPr lang="en-US"/>
           </a:p>
@@ -1958,7 +1958,7 @@
           <a:p>
             <a:fld id="{D40757AC-DC10-4B94-AC96-3B64501BAD13}" type="datetimeFigureOut">
               <a:rPr lang="en-US" smtClean="0"/>
-              <a:t>3/19/2024</a:t>
+              <a:t>3/21/2024</a:t>
             </a:fld>
             <a:endParaRPr lang="en-US"/>
           </a:p>
@@ -2071,7 +2071,7 @@
           <a:p>
             <a:fld id="{D40757AC-DC10-4B94-AC96-3B64501BAD13}" type="datetimeFigureOut">
               <a:rPr lang="en-US" smtClean="0"/>
-              <a:t>3/19/2024</a:t>
+              <a:t>3/21/2024</a:t>
             </a:fld>
             <a:endParaRPr lang="en-US"/>
           </a:p>
@@ -2382,7 +2382,7 @@
           <a:p>
             <a:fld id="{D40757AC-DC10-4B94-AC96-3B64501BAD13}" type="datetimeFigureOut">
               <a:rPr lang="en-US" smtClean="0"/>
-              <a:t>3/19/2024</a:t>
+              <a:t>3/21/2024</a:t>
             </a:fld>
             <a:endParaRPr lang="en-US"/>
           </a:p>
@@ -2670,7 +2670,7 @@
           <a:p>
             <a:fld id="{D40757AC-DC10-4B94-AC96-3B64501BAD13}" type="datetimeFigureOut">
               <a:rPr lang="en-US" smtClean="0"/>
-              <a:t>3/19/2024</a:t>
+              <a:t>3/21/2024</a:t>
             </a:fld>
             <a:endParaRPr lang="en-US"/>
           </a:p>
@@ -2762,6 +2762,7 @@
               <a:schemeClr val="accent1">
                 <a:lumMod val="45000"/>
                 <a:lumOff val="55000"/>
+                <a:alpha val="26000"/>
               </a:schemeClr>
             </a:gs>
             <a:gs pos="91000">
@@ -2943,7 +2944,7 @@
           <a:p>
             <a:fld id="{D40757AC-DC10-4B94-AC96-3B64501BAD13}" type="datetimeFigureOut">
               <a:rPr lang="en-US" smtClean="0"/>
-              <a:t>3/19/2024</a:t>
+              <a:t>3/21/2024</a:t>
             </a:fld>
             <a:endParaRPr lang="en-US"/>
           </a:p>
@@ -3385,13 +3386,8 @@
           <a:p>
             <a:r>
               <a:rPr lang="en-US" dirty="0"/>
-              <a:t>Data Analysis Project for </a:t>
-            </a:r>
-            <a:r>
-              <a:rPr lang="en-US" dirty="0" err="1"/>
-              <a:t>Nulnet</a:t>
-            </a:r>
-            <a:endParaRPr lang="en-US" dirty="0"/>
+              <a:t>Data Analysis Project for Nelnet</a:t>
+            </a:r>
           </a:p>
         </p:txBody>
       </p:sp>
@@ -3518,7 +3514,7 @@
             <a:pPr lvl="1"/>
             <a:r>
               <a:rPr lang="en-US" dirty="0"/>
-              <a:t>Main datetime column of interest is </a:t>
+              <a:t>Main datetime column is </a:t>
             </a:r>
             <a:r>
               <a:rPr lang="en-US" dirty="0" err="1"/>
@@ -3526,14 +3522,14 @@
             </a:r>
             <a:r>
               <a:rPr lang="en-US" dirty="0"/>
-              <a:t>: i.e., the issue (origination) date of the loan</a:t>
+              <a:t>: the issue (origination) date of the loan</a:t>
             </a:r>
           </a:p>
           <a:p>
             <a:pPr lvl="1"/>
             <a:r>
               <a:rPr lang="en-US" dirty="0"/>
-              <a:t>NB: the datetime only shows Month &amp; year, so we cannot drill down to weekly or daily flows of data.</a:t>
+              <a:t>Only shows Month &amp; Year, so we cannot drill down to weekly or daily flows of data.</a:t>
             </a:r>
           </a:p>
           <a:p>
@@ -3561,7 +3557,7 @@
             </a:r>
             <a:r>
               <a:rPr lang="en-US" dirty="0"/>
-              <a:t> column, which specifies the current status of the loan as of the dates shown in the data</a:t>
+              <a:t> column, which specifies the current status of the loan</a:t>
             </a:r>
           </a:p>
           <a:p>
@@ -3626,7 +3622,13 @@
           <a:p>
             <a:r>
               <a:rPr lang="en-US" dirty="0"/>
-              <a:t>Loan performance: I will simplify </a:t>
+              <a:t>Loan performance:</a:t>
+            </a:r>
+          </a:p>
+          <a:p>
+            <a:r>
+              <a:rPr lang="en-US" dirty="0"/>
+              <a:t>Simplifying </a:t>
             </a:r>
             <a:r>
               <a:rPr lang="en-US" dirty="0" err="1"/>
@@ -3634,7 +3636,7 @@
             </a:r>
             <a:r>
               <a:rPr lang="en-US" dirty="0"/>
-              <a:t> by transforming and collapsing the various categories of the column into a new </a:t>
+              <a:t> by transforming the various categories of the column into a new </a:t>
             </a:r>
             <a:r>
               <a:rPr lang="en-US" dirty="0" err="1"/>
@@ -3656,7 +3658,7 @@
             <a:pPr lvl="1"/>
             <a:r>
               <a:rPr lang="en-US" dirty="0"/>
-              <a:t>“Bad” (performance): In Grace Period, Charged off, and both ‘Late (… days)’ categories</a:t>
+              <a:t>“Bad” (performance): In Grace Period, Charged off, and both ‘Late…’ categories</a:t>
             </a:r>
           </a:p>
           <a:p>

--- a/Data Analysis Project for Nulnet March 2024.pptx
+++ b/Data Analysis Project for Nulnet March 2024.pptx
@@ -3779,7 +3779,7 @@
         <p:spPr/>
         <p:txBody>
           <a:bodyPr>
-            <a:normAutofit fontScale="62500" lnSpcReduction="20000"/>
+            <a:normAutofit fontScale="55000" lnSpcReduction="20000"/>
           </a:bodyPr>
           <a:lstStyle/>
           <a:p>
@@ -3948,6 +3948,23 @@
             <a:r>
               <a:rPr lang="en-US" dirty="0"/>
               <a:t> to store/backup several files and track changes.</a:t>
+            </a:r>
+          </a:p>
+          <a:p>
+            <a:pPr lvl="1"/>
+            <a:r>
+              <a:rPr lang="en-US" dirty="0"/>
+              <a:t>Link to GitHub repo: &lt;</a:t>
+            </a:r>
+            <a:r>
+              <a:rPr lang="en-US" dirty="0">
+                <a:hlinkClick r:id="rId2"/>
+              </a:rPr>
+              <a:t>https://github.com/Kallen113/lending-data-analysis/tree/main</a:t>
+            </a:r>
+            <a:r>
+              <a:rPr lang="en-US" dirty="0"/>
+              <a:t>&gt; </a:t>
             </a:r>
           </a:p>
           <a:p>
